--- a/team_project_proposal/DesignFlowDiagram.pptx
+++ b/team_project_proposal/DesignFlowDiagram.pptx
@@ -304,7 +304,7 @@
           <a:p>
             <a:fld id="{CCEC62FD-DF1A-0A4E-83F5-7CCFC93F4BDE}" type="datetimeFigureOut">
               <a:rPr lang="en-US" smtClean="0"/>
-              <a:t>11/3/17</a:t>
+              <a:t>11/15/17</a:t>
             </a:fld>
             <a:endParaRPr lang="en-US"/>
           </a:p>
@@ -474,7 +474,7 @@
           <a:p>
             <a:fld id="{CCEC62FD-DF1A-0A4E-83F5-7CCFC93F4BDE}" type="datetimeFigureOut">
               <a:rPr lang="en-US" smtClean="0"/>
-              <a:t>11/3/17</a:t>
+              <a:t>11/15/17</a:t>
             </a:fld>
             <a:endParaRPr lang="en-US"/>
           </a:p>
@@ -654,7 +654,7 @@
           <a:p>
             <a:fld id="{CCEC62FD-DF1A-0A4E-83F5-7CCFC93F4BDE}" type="datetimeFigureOut">
               <a:rPr lang="en-US" smtClean="0"/>
-              <a:t>11/3/17</a:t>
+              <a:t>11/15/17</a:t>
             </a:fld>
             <a:endParaRPr lang="en-US"/>
           </a:p>
@@ -824,7 +824,7 @@
           <a:p>
             <a:fld id="{CCEC62FD-DF1A-0A4E-83F5-7CCFC93F4BDE}" type="datetimeFigureOut">
               <a:rPr lang="en-US" smtClean="0"/>
-              <a:t>11/3/17</a:t>
+              <a:t>11/15/17</a:t>
             </a:fld>
             <a:endParaRPr lang="en-US"/>
           </a:p>
@@ -1070,7 +1070,7 @@
           <a:p>
             <a:fld id="{CCEC62FD-DF1A-0A4E-83F5-7CCFC93F4BDE}" type="datetimeFigureOut">
               <a:rPr lang="en-US" smtClean="0"/>
-              <a:t>11/3/17</a:t>
+              <a:t>11/15/17</a:t>
             </a:fld>
             <a:endParaRPr lang="en-US"/>
           </a:p>
@@ -1358,7 +1358,7 @@
           <a:p>
             <a:fld id="{CCEC62FD-DF1A-0A4E-83F5-7CCFC93F4BDE}" type="datetimeFigureOut">
               <a:rPr lang="en-US" smtClean="0"/>
-              <a:t>11/3/17</a:t>
+              <a:t>11/15/17</a:t>
             </a:fld>
             <a:endParaRPr lang="en-US"/>
           </a:p>
@@ -1780,7 +1780,7 @@
           <a:p>
             <a:fld id="{CCEC62FD-DF1A-0A4E-83F5-7CCFC93F4BDE}" type="datetimeFigureOut">
               <a:rPr lang="en-US" smtClean="0"/>
-              <a:t>11/3/17</a:t>
+              <a:t>11/15/17</a:t>
             </a:fld>
             <a:endParaRPr lang="en-US"/>
           </a:p>
@@ -1898,7 +1898,7 @@
           <a:p>
             <a:fld id="{CCEC62FD-DF1A-0A4E-83F5-7CCFC93F4BDE}" type="datetimeFigureOut">
               <a:rPr lang="en-US" smtClean="0"/>
-              <a:t>11/3/17</a:t>
+              <a:t>11/15/17</a:t>
             </a:fld>
             <a:endParaRPr lang="en-US"/>
           </a:p>
@@ -1993,7 +1993,7 @@
           <a:p>
             <a:fld id="{CCEC62FD-DF1A-0A4E-83F5-7CCFC93F4BDE}" type="datetimeFigureOut">
               <a:rPr lang="en-US" smtClean="0"/>
-              <a:t>11/3/17</a:t>
+              <a:t>11/15/17</a:t>
             </a:fld>
             <a:endParaRPr lang="en-US"/>
           </a:p>
@@ -2270,7 +2270,7 @@
           <a:p>
             <a:fld id="{CCEC62FD-DF1A-0A4E-83F5-7CCFC93F4BDE}" type="datetimeFigureOut">
               <a:rPr lang="en-US" smtClean="0"/>
-              <a:t>11/3/17</a:t>
+              <a:t>11/15/17</a:t>
             </a:fld>
             <a:endParaRPr lang="en-US"/>
           </a:p>
@@ -2523,7 +2523,7 @@
           <a:p>
             <a:fld id="{CCEC62FD-DF1A-0A4E-83F5-7CCFC93F4BDE}" type="datetimeFigureOut">
               <a:rPr lang="en-US" smtClean="0"/>
-              <a:t>11/3/17</a:t>
+              <a:t>11/15/17</a:t>
             </a:fld>
             <a:endParaRPr lang="en-US"/>
           </a:p>
@@ -2736,7 +2736,7 @@
           <a:p>
             <a:fld id="{CCEC62FD-DF1A-0A4E-83F5-7CCFC93F4BDE}" type="datetimeFigureOut">
               <a:rPr lang="en-US" smtClean="0"/>
-              <a:t>11/3/17</a:t>
+              <a:t>11/15/17</a:t>
             </a:fld>
             <a:endParaRPr lang="en-US"/>
           </a:p>
@@ -3119,8 +3119,8 @@
         </p:nvSpPr>
         <p:spPr>
           <a:xfrm>
-            <a:off x="1988137" y="1904934"/>
-            <a:ext cx="5150749" cy="2701026"/>
+            <a:off x="1997919" y="1918255"/>
+            <a:ext cx="5150749" cy="2951200"/>
           </a:xfrm>
           <a:prstGeom prst="roundRect">
             <a:avLst>
@@ -3157,7 +3157,7 @@
           <a:lstStyle/>
           <a:p>
             <a:r>
-              <a:rPr lang="en-US" dirty="0" smtClean="0">
+              <a:rPr lang="en-US" smtClean="0">
                 <a:ln w="0"/>
                 <a:solidFill>
                   <a:schemeClr val="tx1"/>
@@ -3319,13 +3319,14 @@
           <p:cNvPr id="11" name="Straight Arrow Connector 10"/>
           <p:cNvCxnSpPr>
             <a:stCxn id="4" idx="2"/>
+            <a:endCxn id="20" idx="1"/>
           </p:cNvCxnSpPr>
           <p:nvPr/>
         </p:nvCxnSpPr>
         <p:spPr>
           <a:xfrm>
             <a:off x="2664285" y="1331531"/>
-            <a:ext cx="1714599" cy="990404"/>
+            <a:ext cx="1214685" cy="1099449"/>
           </a:xfrm>
           <a:prstGeom prst="straightConnector1">
             <a:avLst/>
@@ -3352,13 +3353,16 @@
       <p:cxnSp>
         <p:nvCxnSpPr>
           <p:cNvPr id="12" name="Straight Arrow Connector 11"/>
-          <p:cNvCxnSpPr/>
+          <p:cNvCxnSpPr>
+            <a:stCxn id="8" idx="2"/>
+            <a:endCxn id="20" idx="0"/>
+          </p:cNvCxnSpPr>
           <p:nvPr/>
         </p:nvCxnSpPr>
         <p:spPr>
           <a:xfrm>
-            <a:off x="4570871" y="1326765"/>
-            <a:ext cx="0" cy="995170"/>
+            <a:off x="4555118" y="1326765"/>
+            <a:ext cx="0" cy="890976"/>
           </a:xfrm>
           <a:prstGeom prst="straightConnector1">
             <a:avLst/>
@@ -3385,13 +3389,16 @@
       <p:cxnSp>
         <p:nvCxnSpPr>
           <p:cNvPr id="13" name="Straight Arrow Connector 12"/>
-          <p:cNvCxnSpPr/>
+          <p:cNvCxnSpPr>
+            <a:stCxn id="7" idx="2"/>
+            <a:endCxn id="20" idx="3"/>
+          </p:cNvCxnSpPr>
           <p:nvPr/>
         </p:nvCxnSpPr>
         <p:spPr>
           <a:xfrm flipH="1">
-            <a:off x="4814876" y="1331531"/>
-            <a:ext cx="1690551" cy="990404"/>
+            <a:off x="5231265" y="1331531"/>
+            <a:ext cx="1231474" cy="1099449"/>
           </a:xfrm>
           <a:prstGeom prst="straightConnector1">
             <a:avLst/>
@@ -3423,7 +3430,7 @@
         </p:nvSpPr>
         <p:spPr>
           <a:xfrm>
-            <a:off x="3894723" y="2321935"/>
+            <a:off x="3878970" y="2217741"/>
             <a:ext cx="1352295" cy="426478"/>
           </a:xfrm>
           <a:prstGeom prst="roundRect">
@@ -3465,8 +3472,8 @@
         </p:nvSpPr>
         <p:spPr>
           <a:xfrm>
-            <a:off x="3894723" y="3033495"/>
-            <a:ext cx="1352295" cy="426478"/>
+            <a:off x="3878970" y="2909200"/>
+            <a:ext cx="1352295" cy="413581"/>
           </a:xfrm>
           <a:prstGeom prst="roundRect">
             <a:avLst/>
@@ -3507,8 +3514,8 @@
         </p:nvSpPr>
         <p:spPr>
           <a:xfrm>
-            <a:off x="3775923" y="3782964"/>
-            <a:ext cx="1589896" cy="426478"/>
+            <a:off x="3192292" y="4263537"/>
+            <a:ext cx="2743200" cy="426478"/>
           </a:xfrm>
           <a:prstGeom prst="roundRect">
             <a:avLst/>
@@ -3535,7 +3542,11 @@
             <a:pPr algn="ctr"/>
             <a:r>
               <a:rPr lang="en-US" sz="1400" dirty="0" smtClean="0"/>
-              <a:t>Spark SQL / Impala</a:t>
+              <a:t>Spark SQL / </a:t>
+            </a:r>
+            <a:r>
+              <a:rPr lang="en-US" sz="1400" dirty="0" smtClean="0"/>
+              <a:t>Hive / Impala</a:t>
             </a:r>
             <a:endParaRPr lang="en-US" sz="1400" dirty="0"/>
           </a:p>
@@ -3544,13 +3555,16 @@
       <p:cxnSp>
         <p:nvCxnSpPr>
           <p:cNvPr id="29" name="Straight Arrow Connector 28"/>
-          <p:cNvCxnSpPr/>
+          <p:cNvCxnSpPr>
+            <a:stCxn id="20" idx="2"/>
+            <a:endCxn id="26" idx="0"/>
+          </p:cNvCxnSpPr>
           <p:nvPr/>
         </p:nvCxnSpPr>
         <p:spPr>
-          <a:xfrm flipH="1">
-            <a:off x="4570871" y="2748413"/>
-            <a:ext cx="4847" cy="285082"/>
+          <a:xfrm>
+            <a:off x="4555118" y="2644219"/>
+            <a:ext cx="0" cy="264981"/>
           </a:xfrm>
           <a:prstGeom prst="straightConnector1">
             <a:avLst/>
@@ -3577,13 +3591,16 @@
       <p:cxnSp>
         <p:nvCxnSpPr>
           <p:cNvPr id="31" name="Straight Arrow Connector 30"/>
-          <p:cNvCxnSpPr/>
+          <p:cNvCxnSpPr>
+            <a:stCxn id="26" idx="2"/>
+            <a:endCxn id="18" idx="0"/>
+          </p:cNvCxnSpPr>
           <p:nvPr/>
         </p:nvCxnSpPr>
         <p:spPr>
-          <a:xfrm flipH="1">
-            <a:off x="4566024" y="3497882"/>
-            <a:ext cx="4847" cy="285082"/>
+          <a:xfrm>
+            <a:off x="4555118" y="3322781"/>
+            <a:ext cx="8774" cy="273662"/>
           </a:xfrm>
           <a:prstGeom prst="straightConnector1">
             <a:avLst/>
@@ -3610,13 +3627,15 @@
       <p:cxnSp>
         <p:nvCxnSpPr>
           <p:cNvPr id="32" name="Straight Arrow Connector 31"/>
-          <p:cNvCxnSpPr/>
+          <p:cNvCxnSpPr>
+            <a:stCxn id="27" idx="2"/>
+          </p:cNvCxnSpPr>
           <p:nvPr/>
         </p:nvCxnSpPr>
         <p:spPr>
-          <a:xfrm>
-            <a:off x="4564771" y="4209442"/>
-            <a:ext cx="0" cy="969299"/>
+          <a:xfrm flipH="1">
+            <a:off x="4556004" y="4690015"/>
+            <a:ext cx="7888" cy="627773"/>
           </a:xfrm>
           <a:prstGeom prst="straightConnector1">
             <a:avLst/>
@@ -3648,7 +3667,7 @@
         </p:nvSpPr>
         <p:spPr>
           <a:xfrm>
-            <a:off x="3899570" y="5178741"/>
+            <a:off x="3896520" y="5329208"/>
             <a:ext cx="1352295" cy="426478"/>
           </a:xfrm>
           <a:prstGeom prst="roundRect">
@@ -3682,6 +3701,84 @@
           </a:p>
         </p:txBody>
       </p:sp>
+      <p:sp>
+        <p:nvSpPr>
+          <p:cNvPr id="18" name="Rounded Rectangle 17"/>
+          <p:cNvSpPr/>
+          <p:nvPr/>
+        </p:nvSpPr>
+        <p:spPr>
+          <a:xfrm>
+            <a:off x="3878968" y="3596443"/>
+            <a:ext cx="1369847" cy="426478"/>
+          </a:xfrm>
+          <a:prstGeom prst="roundRect">
+            <a:avLst/>
+          </a:prstGeom>
+        </p:spPr>
+        <p:style>
+          <a:lnRef idx="1">
+            <a:schemeClr val="dk1"/>
+          </a:lnRef>
+          <a:fillRef idx="2">
+            <a:schemeClr val="dk1"/>
+          </a:fillRef>
+          <a:effectRef idx="1">
+            <a:schemeClr val="dk1"/>
+          </a:effectRef>
+          <a:fontRef idx="minor">
+            <a:schemeClr val="dk1"/>
+          </a:fontRef>
+        </p:style>
+        <p:txBody>
+          <a:bodyPr rtlCol="0" anchor="ctr"/>
+          <a:lstStyle/>
+          <a:p>
+            <a:pPr algn="ctr"/>
+            <a:r>
+              <a:rPr lang="en-US" sz="1400" dirty="0" smtClean="0"/>
+              <a:t>Spark</a:t>
+            </a:r>
+            <a:endParaRPr lang="en-US" sz="1400" dirty="0"/>
+          </a:p>
+        </p:txBody>
+      </p:sp>
+      <p:cxnSp>
+        <p:nvCxnSpPr>
+          <p:cNvPr id="34" name="Straight Arrow Connector 33"/>
+          <p:cNvCxnSpPr>
+            <a:stCxn id="18" idx="2"/>
+            <a:endCxn id="27" idx="0"/>
+          </p:cNvCxnSpPr>
+          <p:nvPr/>
+        </p:nvCxnSpPr>
+        <p:spPr>
+          <a:xfrm>
+            <a:off x="4563892" y="4022921"/>
+            <a:ext cx="0" cy="240616"/>
+          </a:xfrm>
+          <a:prstGeom prst="straightConnector1">
+            <a:avLst/>
+          </a:prstGeom>
+          <a:ln>
+            <a:tailEnd type="arrow"/>
+          </a:ln>
+        </p:spPr>
+        <p:style>
+          <a:lnRef idx="2">
+            <a:schemeClr val="dk1"/>
+          </a:lnRef>
+          <a:fillRef idx="0">
+            <a:schemeClr val="dk1"/>
+          </a:fillRef>
+          <a:effectRef idx="1">
+            <a:schemeClr val="dk1"/>
+          </a:effectRef>
+          <a:fontRef idx="minor">
+            <a:schemeClr val="tx1"/>
+          </a:fontRef>
+        </p:style>
+      </p:cxnSp>
     </p:spTree>
     <p:extLst>
       <p:ext uri="{BB962C8B-B14F-4D97-AF65-F5344CB8AC3E}">
